--- a/PPT/J7-异常处理.pptx
+++ b/PPT/J7-异常处理.pptx
@@ -3113,7 +3113,7 @@
                 <a:latin typeface="微软雅黑" panose="020B0503020204020204" pitchFamily="34" charset="-122"/>
                 <a:ea typeface="微软雅黑" panose="020B0503020204020204" pitchFamily="34" charset="-122"/>
               </a:rPr>
-              <a:t>2020年8月11日</a:t>
+              <a:t>2020年10月10日</a:t>
             </a:fld>
             <a:endParaRPr lang="zh-CN" altLang="en-US" dirty="0">
               <a:latin typeface="微软雅黑" panose="020B0503020204020204" pitchFamily="34" charset="-122"/>
@@ -3299,7 +3299,7 @@
             <a:fld id="{EA50F75F-AD11-4973-BAED-59A0098129E9}" type="datetime2">
               <a:rPr lang="zh-CN" altLang="en-US" smtClean="0"/>
               <a:pPr/>
-              <a:t>2020年8月11日</a:t>
+              <a:t>2020年10月10日</a:t>
             </a:fld>
             <a:endParaRPr lang="zh-CN" altLang="en-US" dirty="0"/>
           </a:p>
@@ -11432,7 +11432,7 @@
             <a:fld id="{B432DCC3-517C-49BA-ABA2-B2F6E7404DD7}" type="datetime2">
               <a:rPr lang="zh-CN" altLang="en-US" smtClean="0"/>
               <a:pPr/>
-              <a:t>2020年8月11日</a:t>
+              <a:t>2020年10月10日</a:t>
             </a:fld>
             <a:endParaRPr lang="zh-CN" altLang="en-US" dirty="0"/>
           </a:p>
@@ -11991,7 +11991,7 @@
             <a:fld id="{C3F416CD-67A3-4CF0-A210-F6AF31AC147F}" type="datetimeFigureOut">
               <a:rPr lang="en-US" smtClean="0"/>
               <a:pPr algn="l" eaLnBrk="1" latinLnBrk="0" hangingPunct="1"/>
-              <a:t>8/11/2020</a:t>
+              <a:t>10/10/2020</a:t>
             </a:fld>
             <a:endParaRPr lang="en-US" sz="800" dirty="0">
               <a:solidFill>
@@ -15265,6 +15265,37 @@
               </a:rPr>
               <a:t>;</a:t>
             </a:r>
+          </a:p>
+          <a:p>
+            <a:pPr marL="342900" indent="-342900">
+              <a:lnSpc>
+                <a:spcPct val="80000"/>
+              </a:lnSpc>
+              <a:spcBef>
+                <a:spcPct val="20000"/>
+              </a:spcBef>
+              <a:buClr>
+                <a:schemeClr val="tx1"/>
+              </a:buClr>
+            </a:pPr>
+            <a:r>
+              <a:rPr lang="en-US" altLang="zh-CN" sz="2000" dirty="0">
+                <a:latin typeface="Courier New" pitchFamily="49" charset="0"/>
+                <a:ea typeface="宋体" charset="-122"/>
+              </a:rPr>
+              <a:t>//</a:t>
+            </a:r>
+            <a:r>
+              <a:rPr lang="zh-CN" altLang="en-US" sz="2000">
+                <a:latin typeface="Courier New" pitchFamily="49" charset="0"/>
+                <a:ea typeface="宋体" charset="-122"/>
+              </a:rPr>
+              <a:t>也称作被保护的程序段</a:t>
+            </a:r>
+            <a:endParaRPr lang="en-US" altLang="zh-CN" sz="2000" dirty="0">
+              <a:latin typeface="Courier New" pitchFamily="49" charset="0"/>
+              <a:ea typeface="宋体" charset="-122"/>
+            </a:endParaRPr>
           </a:p>
           <a:p>
             <a:pPr marL="342900" indent="-342900">
